--- a/CoursePPT/chap4_datatype_expression.pptx
+++ b/CoursePPT/chap4_datatype_expression.pptx
@@ -10,11 +10,12 @@
     <p:sldId id="258" r:id="rId4"/>
     <p:sldId id="259" r:id="rId5"/>
     <p:sldId id="260" r:id="rId6"/>
-    <p:sldId id="261" r:id="rId7"/>
-    <p:sldId id="262" r:id="rId8"/>
-    <p:sldId id="263" r:id="rId9"/>
-    <p:sldId id="264" r:id="rId10"/>
-    <p:sldId id="265" r:id="rId11"/>
+    <p:sldId id="266" r:id="rId7"/>
+    <p:sldId id="261" r:id="rId8"/>
+    <p:sldId id="262" r:id="rId9"/>
+    <p:sldId id="263" r:id="rId10"/>
+    <p:sldId id="264" r:id="rId11"/>
+    <p:sldId id="265" r:id="rId12"/>
   </p:sldIdLst>
   <p:sldSz cx="9144000" cy="6858000" type="screen4x3"/>
   <p:notesSz cx="6858000" cy="9144000"/>
@@ -3199,6 +3200,13 @@
   <p:clrMapOvr>
     <a:masterClrMapping/>
   </p:clrMapOvr>
+  <p:timing>
+    <p:tnLst>
+      <p:par>
+        <p:cTn xmlns:p14="http://schemas.microsoft.com/office/powerpoint/2010/main" id="1" dur="indefinite" restart="never" nodeType="tmRoot"/>
+      </p:par>
+    </p:tnLst>
+  </p:timing>
 </p:sld>
 </file>
 
@@ -3236,6 +3244,93 @@
           <a:p>
             <a:r>
               <a:rPr kumimoji="1" lang="zh-CN" altLang="en-US" dirty="0" smtClean="0"/>
+              <a:t>练习说明</a:t>
+            </a:r>
+            <a:endParaRPr kumimoji="1" lang="zh-CN" altLang="en-US" dirty="0"/>
+          </a:p>
+        </p:txBody>
+      </p:sp>
+      <p:sp>
+        <p:nvSpPr>
+          <p:cNvPr id="3" name="内容占位符 2"/>
+          <p:cNvSpPr>
+            <a:spLocks noGrp="1"/>
+          </p:cNvSpPr>
+          <p:nvPr>
+            <p:ph idx="1"/>
+          </p:nvPr>
+        </p:nvSpPr>
+        <p:spPr/>
+        <p:txBody>
+          <a:bodyPr/>
+          <a:lstStyle/>
+          <a:p>
+            <a:r>
+              <a:rPr kumimoji="1" lang="zh-CN" altLang="en-US" dirty="0" smtClean="0"/>
+              <a:t>练习一</a:t>
+            </a:r>
+            <a:r>
+              <a:rPr kumimoji="1" lang="zh-CN" altLang="en-US" smtClean="0"/>
+              <a:t>：输入验证</a:t>
+            </a:r>
+            <a:endParaRPr kumimoji="1" lang="zh-CN" altLang="en-US"/>
+          </a:p>
+        </p:txBody>
+      </p:sp>
+    </p:spTree>
+    <p:extLst>
+      <p:ext uri="{BB962C8B-B14F-4D97-AF65-F5344CB8AC3E}">
+        <p14:creationId xmlns:p14="http://schemas.microsoft.com/office/powerpoint/2010/main" val="3553701790"/>
+      </p:ext>
+    </p:extLst>
+  </p:cSld>
+  <p:clrMapOvr>
+    <a:masterClrMapping/>
+  </p:clrMapOvr>
+  <p:timing>
+    <p:tnLst>
+      <p:par>
+        <p:cTn xmlns:p14="http://schemas.microsoft.com/office/powerpoint/2010/main" id="1" dur="indefinite" restart="never" nodeType="tmRoot"/>
+      </p:par>
+    </p:tnLst>
+  </p:timing>
+</p:sld>
+</file>
+
+<file path=ppt/slides/slide11.xml><?xml version="1.0" encoding="utf-8"?>
+<p:sld xmlns:a="http://schemas.openxmlformats.org/drawingml/2006/main" xmlns:r="http://schemas.openxmlformats.org/officeDocument/2006/relationships" xmlns:p="http://schemas.openxmlformats.org/presentationml/2006/main">
+  <p:cSld>
+    <p:spTree>
+      <p:nvGrpSpPr>
+        <p:cNvPr id="1" name=""/>
+        <p:cNvGrpSpPr/>
+        <p:nvPr/>
+      </p:nvGrpSpPr>
+      <p:grpSpPr>
+        <a:xfrm>
+          <a:off x="0" y="0"/>
+          <a:ext cx="0" cy="0"/>
+          <a:chOff x="0" y="0"/>
+          <a:chExt cx="0" cy="0"/>
+        </a:xfrm>
+      </p:grpSpPr>
+      <p:sp>
+        <p:nvSpPr>
+          <p:cNvPr id="2" name="标题 1"/>
+          <p:cNvSpPr>
+            <a:spLocks noGrp="1"/>
+          </p:cNvSpPr>
+          <p:nvPr>
+            <p:ph type="title"/>
+          </p:nvPr>
+        </p:nvSpPr>
+        <p:spPr/>
+        <p:txBody>
+          <a:bodyPr/>
+          <a:lstStyle/>
+          <a:p>
+            <a:r>
+              <a:rPr kumimoji="1" lang="zh-CN" altLang="en-US" dirty="0" smtClean="0"/>
               <a:t>推荐阅读</a:t>
             </a:r>
             <a:endParaRPr kumimoji="1" lang="zh-CN" altLang="en-US" dirty="0"/>
@@ -3298,6 +3393,13 @@
   <p:clrMapOvr>
     <a:masterClrMapping/>
   </p:clrMapOvr>
+  <p:timing>
+    <p:tnLst>
+      <p:par>
+        <p:cTn xmlns:p14="http://schemas.microsoft.com/office/powerpoint/2010/main" id="1" dur="indefinite" restart="never" nodeType="tmRoot"/>
+      </p:par>
+    </p:tnLst>
+  </p:timing>
 </p:sld>
 </file>
 
@@ -3407,6 +3509,13 @@
   <p:clrMapOvr>
     <a:masterClrMapping/>
   </p:clrMapOvr>
+  <p:timing>
+    <p:tnLst>
+      <p:par>
+        <p:cTn xmlns:p14="http://schemas.microsoft.com/office/powerpoint/2010/main" id="1" dur="indefinite" restart="never" nodeType="tmRoot"/>
+      </p:par>
+    </p:tnLst>
+  </p:timing>
 </p:sld>
 </file>
 
@@ -3487,6 +3596,13 @@
   <p:clrMapOvr>
     <a:masterClrMapping/>
   </p:clrMapOvr>
+  <p:timing>
+    <p:tnLst>
+      <p:par>
+        <p:cTn xmlns:p14="http://schemas.microsoft.com/office/powerpoint/2010/main" id="1" dur="indefinite" restart="never" nodeType="tmRoot"/>
+      </p:par>
+    </p:tnLst>
+  </p:timing>
 </p:sld>
 </file>
 
@@ -3559,6 +3675,13 @@
   <p:clrMapOvr>
     <a:masterClrMapping/>
   </p:clrMapOvr>
+  <p:timing>
+    <p:tnLst>
+      <p:par>
+        <p:cTn xmlns:p14="http://schemas.microsoft.com/office/powerpoint/2010/main" id="1" dur="indefinite" restart="never" nodeType="tmRoot"/>
+      </p:par>
+    </p:tnLst>
+  </p:timing>
 </p:sld>
 </file>
 
@@ -3702,6 +3825,13 @@
   <p:clrMapOvr>
     <a:masterClrMapping/>
   </p:clrMapOvr>
+  <p:timing>
+    <p:tnLst>
+      <p:par>
+        <p:cTn xmlns:p14="http://schemas.microsoft.com/office/powerpoint/2010/main" id="1" dur="indefinite" restart="never" nodeType="tmRoot"/>
+      </p:par>
+    </p:tnLst>
+  </p:timing>
 </p:sld>
 </file>
 
@@ -3737,11 +3867,7 @@
           <a:bodyPr/>
           <a:lstStyle/>
           <a:p>
-            <a:r>
-              <a:rPr kumimoji="1" lang="zh-CN" altLang="en-US" dirty="0" smtClean="0"/>
-              <a:t>整型和浮点的转换</a:t>
-            </a:r>
-            <a:endParaRPr kumimoji="1" lang="zh-CN" altLang="en-US" dirty="0"/>
+            <a:endParaRPr kumimoji="1" lang="zh-CN" altLang="en-US"/>
           </a:p>
         </p:txBody>
       </p:sp>
@@ -3760,34 +3886,27 @@
           <a:bodyPr/>
           <a:lstStyle/>
           <a:p>
-            <a:r>
-              <a:rPr kumimoji="1" lang="zh-CN" altLang="en-US" dirty="0" smtClean="0"/>
-              <a:t>赋值转换</a:t>
-            </a:r>
-            <a:endParaRPr kumimoji="1" lang="en-US" altLang="zh-CN" dirty="0" smtClean="0"/>
-          </a:p>
-          <a:p>
-            <a:r>
-              <a:rPr kumimoji="1" lang="zh-CN" altLang="en-US" dirty="0" smtClean="0"/>
-              <a:t>类型转换符</a:t>
-            </a:r>
-            <a:endParaRPr kumimoji="1" lang="en-US" altLang="zh-CN" dirty="0" smtClean="0"/>
-          </a:p>
-          <a:p>
-            <a:endParaRPr kumimoji="1" lang="zh-CN" altLang="en-US" dirty="0"/>
+            <a:endParaRPr kumimoji="1" lang="zh-CN" altLang="en-US"/>
           </a:p>
         </p:txBody>
       </p:sp>
     </p:spTree>
     <p:extLst>
       <p:ext uri="{BB962C8B-B14F-4D97-AF65-F5344CB8AC3E}">
-        <p14:creationId xmlns:p14="http://schemas.microsoft.com/office/powerpoint/2010/main" val="37265284"/>
+        <p14:creationId xmlns:p14="http://schemas.microsoft.com/office/powerpoint/2010/main" val="4208710226"/>
       </p:ext>
     </p:extLst>
   </p:cSld>
   <p:clrMapOvr>
     <a:masterClrMapping/>
   </p:clrMapOvr>
+  <p:timing>
+    <p:tnLst>
+      <p:par>
+        <p:cTn xmlns:p14="http://schemas.microsoft.com/office/powerpoint/2010/main" id="1" dur="indefinite" restart="never" nodeType="tmRoot"/>
+      </p:par>
+    </p:tnLst>
+  </p:timing>
 </p:sld>
 </file>
 
@@ -3825,7 +3944,7 @@
           <a:p>
             <a:r>
               <a:rPr kumimoji="1" lang="zh-CN" altLang="en-US" dirty="0" smtClean="0"/>
-              <a:t>赋值运算符</a:t>
+              <a:t>整型和浮点的转换</a:t>
             </a:r>
             <a:endParaRPr kumimoji="1" lang="zh-CN" altLang="en-US" dirty="0"/>
           </a:p>
@@ -3847,31 +3966,19 @@
           <a:lstStyle/>
           <a:p>
             <a:r>
-              <a:rPr kumimoji="1" lang="zh-CN" altLang="zh-CN" dirty="0" smtClean="0"/>
-              <a:t>+</a:t>
-            </a:r>
-            <a:r>
-              <a:rPr kumimoji="1" lang="en-US" altLang="zh-CN" dirty="0" smtClean="0"/>
-              <a:t>=</a:t>
-            </a:r>
-          </a:p>
-          <a:p>
-            <a:r>
-              <a:rPr kumimoji="1" lang="en-US" altLang="zh-CN" dirty="0" smtClean="0"/>
-              <a:t>-=</a:t>
-            </a:r>
-          </a:p>
-          <a:p>
-            <a:r>
-              <a:rPr kumimoji="1" lang="en-US" altLang="zh-CN" dirty="0" smtClean="0"/>
-              <a:t>/=</a:t>
-            </a:r>
-          </a:p>
-          <a:p>
-            <a:r>
-              <a:rPr kumimoji="1" lang="en-US" altLang="zh-CN" dirty="0" smtClean="0"/>
-              <a:t>*=</a:t>
-            </a:r>
+              <a:rPr kumimoji="1" lang="zh-CN" altLang="en-US" dirty="0" smtClean="0"/>
+              <a:t>赋值转换</a:t>
+            </a:r>
+            <a:endParaRPr kumimoji="1" lang="en-US" altLang="zh-CN" dirty="0" smtClean="0"/>
+          </a:p>
+          <a:p>
+            <a:r>
+              <a:rPr kumimoji="1" lang="zh-CN" altLang="en-US" dirty="0" smtClean="0"/>
+              <a:t>类型转换符</a:t>
+            </a:r>
+            <a:endParaRPr kumimoji="1" lang="en-US" altLang="zh-CN" dirty="0" smtClean="0"/>
+          </a:p>
+          <a:p>
             <a:endParaRPr kumimoji="1" lang="zh-CN" altLang="en-US" dirty="0"/>
           </a:p>
         </p:txBody>
@@ -3879,13 +3986,20 @@
     </p:spTree>
     <p:extLst>
       <p:ext uri="{BB962C8B-B14F-4D97-AF65-F5344CB8AC3E}">
-        <p14:creationId xmlns:p14="http://schemas.microsoft.com/office/powerpoint/2010/main" val="3344727028"/>
+        <p14:creationId xmlns:p14="http://schemas.microsoft.com/office/powerpoint/2010/main" val="37265284"/>
       </p:ext>
     </p:extLst>
   </p:cSld>
   <p:clrMapOvr>
     <a:masterClrMapping/>
   </p:clrMapOvr>
+  <p:timing>
+    <p:tnLst>
+      <p:par>
+        <p:cTn xmlns:p14="http://schemas.microsoft.com/office/powerpoint/2010/main" id="1" dur="indefinite" restart="never" nodeType="tmRoot"/>
+      </p:par>
+    </p:tnLst>
+  </p:timing>
 </p:sld>
 </file>
 
@@ -3922,49 +4036,54 @@
           <a:lstStyle/>
           <a:p>
             <a:r>
+              <a:rPr kumimoji="1" lang="zh-CN" altLang="en-US" dirty="0" smtClean="0"/>
+              <a:t>赋值运算符</a:t>
+            </a:r>
+            <a:endParaRPr kumimoji="1" lang="zh-CN" altLang="en-US" dirty="0"/>
+          </a:p>
+        </p:txBody>
+      </p:sp>
+      <p:sp>
+        <p:nvSpPr>
+          <p:cNvPr id="3" name="内容占位符 2"/>
+          <p:cNvSpPr>
+            <a:spLocks noGrp="1"/>
+          </p:cNvSpPr>
+          <p:nvPr>
+            <p:ph idx="1"/>
+          </p:nvPr>
+        </p:nvSpPr>
+        <p:spPr/>
+        <p:txBody>
+          <a:bodyPr/>
+          <a:lstStyle/>
+          <a:p>
+            <a:r>
+              <a:rPr kumimoji="1" lang="zh-CN" altLang="zh-CN" dirty="0" smtClean="0"/>
+              <a:t>+</a:t>
+            </a:r>
+            <a:r>
               <a:rPr kumimoji="1" lang="en-US" altLang="zh-CN" dirty="0" smtClean="0"/>
-              <a:t>Calculator</a:t>
-            </a:r>
-            <a:r>
-              <a:rPr kumimoji="1" lang="zh-CN" altLang="en-US" dirty="0" smtClean="0"/>
-              <a:t>类</a:t>
-            </a:r>
-            <a:endParaRPr kumimoji="1" lang="zh-CN" altLang="en-US" dirty="0"/>
-          </a:p>
-        </p:txBody>
-      </p:sp>
-      <p:sp>
-        <p:nvSpPr>
-          <p:cNvPr id="3" name="内容占位符 2"/>
-          <p:cNvSpPr>
-            <a:spLocks noGrp="1"/>
-          </p:cNvSpPr>
-          <p:nvPr>
-            <p:ph idx="1"/>
-          </p:nvPr>
-        </p:nvSpPr>
-        <p:spPr/>
-        <p:txBody>
-          <a:bodyPr/>
-          <a:lstStyle/>
-          <a:p>
-            <a:r>
-              <a:rPr kumimoji="1" lang="zh-CN" altLang="en-US" dirty="0" smtClean="0"/>
-              <a:t>方法的参数自动转换类型</a:t>
-            </a:r>
-            <a:endParaRPr kumimoji="1" lang="en-US" altLang="zh-CN" dirty="0" smtClean="0"/>
-          </a:p>
-          <a:p>
-            <a:r>
-              <a:rPr kumimoji="1" lang="zh-CN" altLang="en-US" dirty="0" smtClean="0"/>
-              <a:t>扩展</a:t>
-            </a:r>
-            <a:endParaRPr kumimoji="1" lang="en-US" altLang="zh-CN" dirty="0" smtClean="0"/>
-          </a:p>
-          <a:p>
-            <a:pPr marL="0" indent="0">
-              <a:buNone/>
-            </a:pPr>
+              <a:t>=</a:t>
+            </a:r>
+          </a:p>
+          <a:p>
+            <a:r>
+              <a:rPr kumimoji="1" lang="en-US" altLang="zh-CN" dirty="0" smtClean="0"/>
+              <a:t>-=</a:t>
+            </a:r>
+          </a:p>
+          <a:p>
+            <a:r>
+              <a:rPr kumimoji="1" lang="en-US" altLang="zh-CN" dirty="0" smtClean="0"/>
+              <a:t>/=</a:t>
+            </a:r>
+          </a:p>
+          <a:p>
+            <a:r>
+              <a:rPr kumimoji="1" lang="en-US" altLang="zh-CN" dirty="0" smtClean="0"/>
+              <a:t>*=</a:t>
+            </a:r>
             <a:endParaRPr kumimoji="1" lang="zh-CN" altLang="en-US" dirty="0"/>
           </a:p>
         </p:txBody>
@@ -3972,13 +4091,20 @@
     </p:spTree>
     <p:extLst>
       <p:ext uri="{BB962C8B-B14F-4D97-AF65-F5344CB8AC3E}">
-        <p14:creationId xmlns:p14="http://schemas.microsoft.com/office/powerpoint/2010/main" val="2815537405"/>
+        <p14:creationId xmlns:p14="http://schemas.microsoft.com/office/powerpoint/2010/main" val="3344727028"/>
       </p:ext>
     </p:extLst>
   </p:cSld>
   <p:clrMapOvr>
     <a:masterClrMapping/>
   </p:clrMapOvr>
+  <p:timing>
+    <p:tnLst>
+      <p:par>
+        <p:cTn xmlns:p14="http://schemas.microsoft.com/office/powerpoint/2010/main" id="1" dur="indefinite" restart="never" nodeType="tmRoot"/>
+      </p:par>
+    </p:tnLst>
+  </p:timing>
 </p:sld>
 </file>
 
@@ -4015,8 +4141,12 @@
           <a:lstStyle/>
           <a:p>
             <a:r>
+              <a:rPr kumimoji="1" lang="en-US" altLang="zh-CN" dirty="0" smtClean="0"/>
+              <a:t>Calculator</a:t>
+            </a:r>
+            <a:r>
               <a:rPr kumimoji="1" lang="zh-CN" altLang="en-US" dirty="0" smtClean="0"/>
-              <a:t>练习说明</a:t>
+              <a:t>类</a:t>
             </a:r>
             <a:endParaRPr kumimoji="1" lang="zh-CN" altLang="en-US" dirty="0"/>
           </a:p>
@@ -4039,26 +4169,42 @@
           <a:p>
             <a:r>
               <a:rPr kumimoji="1" lang="zh-CN" altLang="en-US" dirty="0" smtClean="0"/>
-              <a:t>练习一</a:t>
-            </a:r>
-            <a:r>
-              <a:rPr kumimoji="1" lang="zh-CN" altLang="en-US" smtClean="0"/>
-              <a:t>：输入验证</a:t>
-            </a:r>
-            <a:endParaRPr kumimoji="1" lang="zh-CN" altLang="en-US"/>
+              <a:t>方法的参数自动转换类型</a:t>
+            </a:r>
+            <a:endParaRPr kumimoji="1" lang="en-US" altLang="zh-CN" dirty="0" smtClean="0"/>
+          </a:p>
+          <a:p>
+            <a:r>
+              <a:rPr kumimoji="1" lang="zh-CN" altLang="en-US" dirty="0" smtClean="0"/>
+              <a:t>扩展</a:t>
+            </a:r>
+            <a:endParaRPr kumimoji="1" lang="en-US" altLang="zh-CN" dirty="0" smtClean="0"/>
+          </a:p>
+          <a:p>
+            <a:pPr marL="0" indent="0">
+              <a:buNone/>
+            </a:pPr>
+            <a:endParaRPr kumimoji="1" lang="zh-CN" altLang="en-US" dirty="0"/>
           </a:p>
         </p:txBody>
       </p:sp>
     </p:spTree>
     <p:extLst>
       <p:ext uri="{BB962C8B-B14F-4D97-AF65-F5344CB8AC3E}">
-        <p14:creationId xmlns:p14="http://schemas.microsoft.com/office/powerpoint/2010/main" val="3553701790"/>
+        <p14:creationId xmlns:p14="http://schemas.microsoft.com/office/powerpoint/2010/main" val="2815537405"/>
       </p:ext>
     </p:extLst>
   </p:cSld>
   <p:clrMapOvr>
     <a:masterClrMapping/>
   </p:clrMapOvr>
+  <p:timing>
+    <p:tnLst>
+      <p:par>
+        <p:cTn xmlns:p14="http://schemas.microsoft.com/office/powerpoint/2010/main" id="1" dur="indefinite" restart="never" nodeType="tmRoot"/>
+      </p:par>
+    </p:tnLst>
+  </p:timing>
 </p:sld>
 </file>
 
